--- a/Can You Live There.pptx
+++ b/Can You Live There.pptx
@@ -2202,13 +2202,13 @@
     <dgm:cxn modelId="{FF6C1D2F-6A2E-AB43-B51A-6A721A185147}" type="presOf" srcId="{1954962F-B5D8-0E47-8FB4-2EA7E9F1BEF0}" destId="{4E692EBB-CA82-7C43-8868-E1688D753841}" srcOrd="0" destOrd="6" presId="urn:microsoft.com/office/officeart/2005/8/layout/radial2"/>
     <dgm:cxn modelId="{C0BF7639-500D-0F41-8737-7CF0043D8748}" type="presOf" srcId="{DE560332-0568-534B-A0C0-977BA88A868C}" destId="{4E692EBB-CA82-7C43-8868-E1688D753841}" srcOrd="0" destOrd="1" presId="urn:microsoft.com/office/officeart/2005/8/layout/radial2"/>
     <dgm:cxn modelId="{3A72003C-B850-C44F-B722-F7F3C8600191}" type="presOf" srcId="{0C5CDFC5-5968-3248-B499-A3DB7628D4CE}" destId="{57730827-D41C-C746-99F8-A7E960E1B71B}" srcOrd="0" destOrd="1" presId="urn:microsoft.com/office/officeart/2005/8/layout/radial2"/>
-    <dgm:cxn modelId="{31438A50-B6F2-9F4E-85DB-EB113673CBBD}" type="presOf" srcId="{83477DDD-C024-1C49-A015-12F578247F4A}" destId="{B7F21938-784B-374F-A275-EB195977FE65}" srcOrd="0" destOrd="0" presId="urn:microsoft.com/office/officeart/2005/8/layout/radial2"/>
-    <dgm:cxn modelId="{3442CB53-29BE-284F-9E4C-7831EF2551D6}" srcId="{70EF959A-2D7C-8842-B106-E7BCDDDEACD1}" destId="{0C5CDFC5-5968-3248-B499-A3DB7628D4CE}" srcOrd="1" destOrd="0" parTransId="{5F65F1D4-C8E5-F44B-946A-49F37F99D411}" sibTransId="{C4482560-8D75-BC41-AAD9-B587C009A610}"/>
-    <dgm:cxn modelId="{62B52E59-0F00-724D-B799-71518EF851C3}" type="presOf" srcId="{B98EA9B9-ADF6-044D-BAFC-980E8487718F}" destId="{4E692EBB-CA82-7C43-8868-E1688D753841}" srcOrd="0" destOrd="3" presId="urn:microsoft.com/office/officeart/2005/8/layout/radial2"/>
     <dgm:cxn modelId="{7F802C63-8030-F74E-9B05-5A19FBC39C6C}" type="presOf" srcId="{17C1704E-FEE5-844F-9786-F48E8B356289}" destId="{9334D785-84DD-B84C-A5F1-F2E297448BD3}" srcOrd="0" destOrd="0" presId="urn:microsoft.com/office/officeart/2005/8/layout/radial2"/>
     <dgm:cxn modelId="{4685746E-2753-EC47-8189-FECFDC80E441}" srcId="{66D4325E-9C66-1D46-AE71-93FCC45B3E76}" destId="{70EF959A-2D7C-8842-B106-E7BCDDDEACD1}" srcOrd="0" destOrd="0" parTransId="{83477DDD-C024-1C49-A015-12F578247F4A}" sibTransId="{FF3A9ECB-980E-3C4F-B030-A7E0ABF4A3F3}"/>
+    <dgm:cxn modelId="{31438A50-B6F2-9F4E-85DB-EB113673CBBD}" type="presOf" srcId="{83477DDD-C024-1C49-A015-12F578247F4A}" destId="{B7F21938-784B-374F-A275-EB195977FE65}" srcOrd="0" destOrd="0" presId="urn:microsoft.com/office/officeart/2005/8/layout/radial2"/>
     <dgm:cxn modelId="{52ECCD72-F488-C942-966B-BE62F3308A3C}" srcId="{70EF959A-2D7C-8842-B106-E7BCDDDEACD1}" destId="{82329F22-D997-E44C-A68E-393F0C4E02D7}" srcOrd="2" destOrd="0" parTransId="{3B08C0C6-42AE-BD4B-B3A8-6224E2D1DBDB}" sibTransId="{725FDDB0-CEAA-D54D-A685-0C8A0AD405F4}"/>
+    <dgm:cxn modelId="{3442CB53-29BE-284F-9E4C-7831EF2551D6}" srcId="{70EF959A-2D7C-8842-B106-E7BCDDDEACD1}" destId="{0C5CDFC5-5968-3248-B499-A3DB7628D4CE}" srcOrd="1" destOrd="0" parTransId="{5F65F1D4-C8E5-F44B-946A-49F37F99D411}" sibTransId="{C4482560-8D75-BC41-AAD9-B587C009A610}"/>
     <dgm:cxn modelId="{5F0FC078-B939-BE40-86F6-5E0652F20EC2}" srcId="{7BAA38C4-1BE8-954B-9D96-09BF8F25E793}" destId="{70D2B1D5-A7CD-7A43-B142-857413D48189}" srcOrd="7" destOrd="0" parTransId="{377911F8-6CFE-D640-8D41-07B400A6AEF4}" sibTransId="{22FF5B31-5054-164C-8501-59928FFC5ABD}"/>
+    <dgm:cxn modelId="{62B52E59-0F00-724D-B799-71518EF851C3}" type="presOf" srcId="{B98EA9B9-ADF6-044D-BAFC-980E8487718F}" destId="{4E692EBB-CA82-7C43-8868-E1688D753841}" srcOrd="0" destOrd="3" presId="urn:microsoft.com/office/officeart/2005/8/layout/radial2"/>
     <dgm:cxn modelId="{B6D0607E-63E5-8E48-82B7-BCDB47F6E1CF}" srcId="{7BAA38C4-1BE8-954B-9D96-09BF8F25E793}" destId="{1907BBEC-FAA4-5745-B6AD-4DEA6816F640}" srcOrd="0" destOrd="0" parTransId="{00381970-0A42-364B-A86C-0A617DF6B810}" sibTransId="{2C2A9DBC-3A06-064D-8AA1-CF24E3743DD3}"/>
     <dgm:cxn modelId="{75D66A84-7C5C-2B49-AB5B-62C5D2CB36C9}" srcId="{7BAA38C4-1BE8-954B-9D96-09BF8F25E793}" destId="{C6D3232F-E383-9D4D-A972-F07DCFD87E4A}" srcOrd="5" destOrd="0" parTransId="{AFF89D4C-D42D-6645-A544-AA563C1A60F3}" sibTransId="{8CD89A61-D0B4-6041-A61E-CE63FB02F400}"/>
     <dgm:cxn modelId="{8B9D5987-B58D-CF41-BD78-53386B03328A}" type="presOf" srcId="{BA4044C2-4693-A840-9017-536EC6574521}" destId="{4E692EBB-CA82-7C43-8868-E1688D753841}" srcOrd="0" destOrd="4" presId="urn:microsoft.com/office/officeart/2005/8/layout/radial2"/>
@@ -5753,7 +5753,7 @@
           <a:p>
             <a:fld id="{D137535E-6B1F-1346-85DC-F4C942C13CF3}" type="datetimeFigureOut">
               <a:rPr lang="en-US" smtClean="0"/>
-              <a:t>11/2/19</a:t>
+              <a:t>11/2/2019</a:t>
             </a:fld>
             <a:endParaRPr lang="en-US"/>
           </a:p>
@@ -7792,7 +7792,7 @@
           <a:p>
             <a:fld id="{7B7968AD-0CE1-E54B-B1BF-7C17DCC7121E}" type="datetimeFigureOut">
               <a:rPr lang="en-US" smtClean="0"/>
-              <a:t>11/2/19</a:t>
+              <a:t>11/2/2019</a:t>
             </a:fld>
             <a:endParaRPr lang="en-US"/>
           </a:p>
@@ -7969,7 +7969,7 @@
           <a:p>
             <a:fld id="{7B7968AD-0CE1-E54B-B1BF-7C17DCC7121E}" type="datetimeFigureOut">
               <a:rPr lang="en-US" smtClean="0"/>
-              <a:t>11/2/19</a:t>
+              <a:t>11/2/2019</a:t>
             </a:fld>
             <a:endParaRPr lang="en-US"/>
           </a:p>
@@ -8149,7 +8149,7 @@
           <a:p>
             <a:fld id="{7B7968AD-0CE1-E54B-B1BF-7C17DCC7121E}" type="datetimeFigureOut">
               <a:rPr lang="en-US" smtClean="0"/>
-              <a:t>11/2/19</a:t>
+              <a:t>11/2/2019</a:t>
             </a:fld>
             <a:endParaRPr lang="en-US"/>
           </a:p>
@@ -8319,7 +8319,7 @@
           <a:p>
             <a:fld id="{7B7968AD-0CE1-E54B-B1BF-7C17DCC7121E}" type="datetimeFigureOut">
               <a:rPr lang="en-US" smtClean="0"/>
-              <a:t>11/2/19</a:t>
+              <a:t>11/2/2019</a:t>
             </a:fld>
             <a:endParaRPr lang="en-US"/>
           </a:p>
@@ -8640,7 +8640,7 @@
           <a:p>
             <a:fld id="{7B7968AD-0CE1-E54B-B1BF-7C17DCC7121E}" type="datetimeFigureOut">
               <a:rPr lang="en-US" smtClean="0"/>
-              <a:t>11/2/19</a:t>
+              <a:t>11/2/2019</a:t>
             </a:fld>
             <a:endParaRPr lang="en-US"/>
           </a:p>
@@ -9100,7 +9100,7 @@
           <a:p>
             <a:fld id="{7B7968AD-0CE1-E54B-B1BF-7C17DCC7121E}" type="datetimeFigureOut">
               <a:rPr lang="en-US" smtClean="0"/>
-              <a:t>11/2/19</a:t>
+              <a:t>11/2/2019</a:t>
             </a:fld>
             <a:endParaRPr lang="en-US"/>
           </a:p>
@@ -9511,7 +9511,7 @@
           <a:p>
             <a:fld id="{7B7968AD-0CE1-E54B-B1BF-7C17DCC7121E}" type="datetimeFigureOut">
               <a:rPr lang="en-US" smtClean="0"/>
-              <a:t>11/2/19</a:t>
+              <a:t>11/2/2019</a:t>
             </a:fld>
             <a:endParaRPr lang="en-US"/>
           </a:p>
@@ -9629,7 +9629,7 @@
           <a:p>
             <a:fld id="{7B7968AD-0CE1-E54B-B1BF-7C17DCC7121E}" type="datetimeFigureOut">
               <a:rPr lang="en-US" smtClean="0"/>
-              <a:t>11/2/19</a:t>
+              <a:t>11/2/2019</a:t>
             </a:fld>
             <a:endParaRPr lang="en-US"/>
           </a:p>
@@ -9746,7 +9746,7 @@
           <a:p>
             <a:fld id="{7B7968AD-0CE1-E54B-B1BF-7C17DCC7121E}" type="datetimeFigureOut">
               <a:rPr lang="en-US" smtClean="0"/>
-              <a:t>11/2/19</a:t>
+              <a:t>11/2/2019</a:t>
             </a:fld>
             <a:endParaRPr lang="en-US"/>
           </a:p>
@@ -10104,7 +10104,7 @@
           <a:p>
             <a:fld id="{7B7968AD-0CE1-E54B-B1BF-7C17DCC7121E}" type="datetimeFigureOut">
               <a:rPr lang="en-US" smtClean="0"/>
-              <a:t>11/2/19</a:t>
+              <a:t>11/2/2019</a:t>
             </a:fld>
             <a:endParaRPr lang="en-US"/>
           </a:p>
@@ -10611,7 +10611,7 @@
           <a:p>
             <a:fld id="{7B7968AD-0CE1-E54B-B1BF-7C17DCC7121E}" type="datetimeFigureOut">
               <a:rPr lang="en-US" smtClean="0"/>
-              <a:t>11/2/19</a:t>
+              <a:t>11/2/2019</a:t>
             </a:fld>
             <a:endParaRPr lang="en-US"/>
           </a:p>
@@ -10966,7 +10966,7 @@
           <a:p>
             <a:fld id="{7B7968AD-0CE1-E54B-B1BF-7C17DCC7121E}" type="datetimeFigureOut">
               <a:rPr lang="en-US" smtClean="0"/>
-              <a:t>11/2/19</a:t>
+              <a:t>11/2/2019</a:t>
             </a:fld>
             <a:endParaRPr lang="en-US"/>
           </a:p>
@@ -12269,10 +12269,9 @@
           <a:lstStyle/>
           <a:p>
             <a:r>
-              <a:rPr lang="en-US" dirty="0" err="1"/>
-              <a:t>Conclussions</a:t>
-            </a:r>
-            <a:endParaRPr lang="en-US" dirty="0"/>
+              <a:rPr lang="en-US" dirty="0"/>
+              <a:t>Conclusions</a:t>
+            </a:r>
           </a:p>
         </p:txBody>
       </p:sp>

--- a/Can You Live There.pptx
+++ b/Can You Live There.pptx
@@ -13725,7 +13725,7 @@
         </p:nvSpPr>
         <p:spPr>
           <a:xfrm>
-            <a:off x="5527548" y="424502"/>
+            <a:off x="473227" y="329185"/>
             <a:ext cx="6114723" cy="1609344"/>
           </a:xfrm>
           <a:prstGeom prst="rect">
@@ -13790,38 +13790,8 @@
         </p:blipFill>
         <p:spPr>
           <a:xfrm>
-            <a:off x="4279" y="1229174"/>
-            <a:ext cx="4338672" cy="2885626"/>
-          </a:xfrm>
-          <a:prstGeom prst="rect">
-            <a:avLst/>
-          </a:prstGeom>
-        </p:spPr>
-      </p:pic>
-      <p:pic>
-        <p:nvPicPr>
-          <p:cNvPr id="8" name="Picture 7">
-            <a:extLst>
-              <a:ext uri="{FF2B5EF4-FFF2-40B4-BE49-F238E27FC236}">
-                <a16:creationId xmlns:a16="http://schemas.microsoft.com/office/drawing/2014/main" id="{9B02864F-0D7C-5342-A019-4B3F2D2C454F}"/>
-              </a:ext>
-            </a:extLst>
-          </p:cNvPr>
-          <p:cNvPicPr>
-            <a:picLocks noChangeAspect="1"/>
-          </p:cNvPicPr>
-          <p:nvPr/>
-        </p:nvPicPr>
-        <p:blipFill>
-          <a:blip r:embed="rId5"/>
-          <a:stretch>
-            <a:fillRect/>
-          </a:stretch>
-        </p:blipFill>
-        <p:spPr>
-          <a:xfrm>
-            <a:off x="4266395" y="3311939"/>
-            <a:ext cx="7640762" cy="3415003"/>
+            <a:off x="3162989" y="1389948"/>
+            <a:ext cx="7387780" cy="4913570"/>
           </a:xfrm>
           <a:prstGeom prst="rect">
             <a:avLst/>
